--- a/Conway’s Game of Life.pptx
+++ b/Conway’s Game of Life.pptx
@@ -3131,7 +3131,7 @@
           <a:p>
             <a:fld id="{EA0C0817-A112-4847-8014-A94B7D2A4EA3}" type="datetime1">
               <a:rPr lang="en-US" smtClean="0"/>
-              <a:t>1/26/2021</a:t>
+              <a:t>1/27/2021</a:t>
             </a:fld>
             <a:endParaRPr lang="en-US" dirty="0"/>
           </a:p>
@@ -3333,7 +3333,7 @@
           <a:p>
             <a:fld id="{7332B432-ACDA-4023-A761-2BAB76577B62}" type="datetime1">
               <a:rPr lang="en-US" smtClean="0"/>
-              <a:t>1/26/2021</a:t>
+              <a:t>1/27/2021</a:t>
             </a:fld>
             <a:endParaRPr lang="en-US" dirty="0"/>
           </a:p>
@@ -3932,7 +3932,7 @@
           <a:p>
             <a:fld id="{D9C646AA-F36E-4540-911D-FFFC0A0EF24A}" type="datetime1">
               <a:rPr lang="en-US" smtClean="0"/>
-              <a:t>1/26/2021</a:t>
+              <a:t>1/27/2021</a:t>
             </a:fld>
             <a:endParaRPr lang="en-US" dirty="0"/>
           </a:p>
@@ -4252,7 +4252,7 @@
           <a:p>
             <a:fld id="{69186D26-FA5F-4637-B602-B7C2DC34CFD4}" type="datetime1">
               <a:rPr lang="en-US" smtClean="0"/>
-              <a:t>1/26/2021</a:t>
+              <a:t>1/27/2021</a:t>
             </a:fld>
             <a:endParaRPr lang="en-US" dirty="0"/>
           </a:p>
@@ -4689,7 +4689,7 @@
           <a:p>
             <a:fld id="{8A7F15D8-96D1-4781-BC50-CA8A088B2FE4}" type="datetime1">
               <a:rPr lang="en-US" smtClean="0"/>
-              <a:t>1/26/2021</a:t>
+              <a:t>1/27/2021</a:t>
             </a:fld>
             <a:endParaRPr lang="en-US" dirty="0"/>
           </a:p>
@@ -4807,7 +4807,7 @@
           <a:p>
             <a:fld id="{F9A96C99-B8F8-4528-BD05-0E16E943DC09}" type="datetime1">
               <a:rPr lang="en-US" smtClean="0"/>
-              <a:t>1/26/2021</a:t>
+              <a:t>1/27/2021</a:t>
             </a:fld>
             <a:endParaRPr lang="en-US" dirty="0"/>
           </a:p>
@@ -4902,7 +4902,7 @@
           <a:p>
             <a:fld id="{03636942-C211-4B28-8DBD-C953E00AF71B}" type="datetime1">
               <a:rPr lang="en-US" smtClean="0"/>
-              <a:t>1/26/2021</a:t>
+              <a:t>1/27/2021</a:t>
             </a:fld>
             <a:endParaRPr lang="en-US" dirty="0"/>
           </a:p>
@@ -5319,7 +5319,7 @@
           <a:p>
             <a:fld id="{7E8D12A6-918A-48BD-8CB9-CA713993B0EA}" type="datetime1">
               <a:rPr lang="en-US" smtClean="0"/>
-              <a:t>1/26/2021</a:t>
+              <a:t>1/27/2021</a:t>
             </a:fld>
             <a:endParaRPr lang="en-US" dirty="0"/>
           </a:p>
@@ -5581,7 +5581,7 @@
             <a:fld id="{E778CE86-875F-4587-BCF6-FA054AFC0D53}" type="datetime1">
               <a:rPr lang="en-US" smtClean="0"/>
               <a:pPr/>
-              <a:t>1/26/2021</a:t>
+              <a:t>1/27/2021</a:t>
             </a:fld>
             <a:endParaRPr lang="en-US" dirty="0"/>
           </a:p>
@@ -6097,7 +6097,7 @@
           <a:p>
             <a:fld id="{F6FA2B21-3FCD-4721-B95C-427943F61125}" type="datetime1">
               <a:rPr lang="en-US" smtClean="0"/>
-              <a:t>1/26/2021</a:t>
+              <a:t>1/27/2021</a:t>
             </a:fld>
             <a:endParaRPr lang="en-US" dirty="0"/>
           </a:p>
@@ -6922,8 +6922,8 @@
         </p:nvSpPr>
         <p:spPr>
           <a:xfrm>
-            <a:off x="1066800" y="4979134"/>
-            <a:ext cx="9450393" cy="1323439"/>
+            <a:off x="1066800" y="2014194"/>
+            <a:ext cx="4903347" cy="2554545"/>
           </a:xfrm>
           <a:prstGeom prst="rect">
             <a:avLst/>
@@ -7102,10 +7102,10 @@
       </p:sp>
       <p:pic>
         <p:nvPicPr>
-          <p:cNvPr id="4" name="Picture 3">
+          <p:cNvPr id="6" name="Picture 5">
             <a:extLst>
               <a:ext uri="{FF2B5EF4-FFF2-40B4-BE49-F238E27FC236}">
-                <a16:creationId xmlns:a16="http://schemas.microsoft.com/office/drawing/2014/main" id="{98DC3629-5671-4620-8463-BE1447DA4D60}"/>
+                <a16:creationId xmlns:a16="http://schemas.microsoft.com/office/drawing/2014/main" id="{F8A1A5F8-1D54-4A9E-AD9C-CF7C5FA7E9CD}"/>
               </a:ext>
             </a:extLst>
           </p:cNvPr>
@@ -7122,8 +7122,8 @@
         </p:blipFill>
         <p:spPr>
           <a:xfrm>
-            <a:off x="1169981" y="1821716"/>
-            <a:ext cx="6420746" cy="2962688"/>
+            <a:off x="5203753" y="4400917"/>
+            <a:ext cx="5414645" cy="1113688"/>
           </a:xfrm>
           <a:prstGeom prst="rect">
             <a:avLst/>
@@ -7226,8 +7226,8 @@
         </p:nvSpPr>
         <p:spPr>
           <a:xfrm>
-            <a:off x="7928742" y="1785663"/>
-            <a:ext cx="3662368" cy="2862322"/>
+            <a:off x="1066800" y="2346102"/>
+            <a:ext cx="9298366" cy="1785104"/>
           </a:xfrm>
           <a:prstGeom prst="rect">
             <a:avLst/>
@@ -7391,6 +7391,39 @@
               <a:t>zuvor</a:t>
             </a:r>
             <a:endParaRPr lang="en-GB" sz="2000" dirty="0"/>
+          </a:p>
+          <a:p>
+            <a:pPr marL="342900" indent="-342900">
+              <a:spcAft>
+                <a:spcPts val="1200"/>
+              </a:spcAft>
+              <a:buFont typeface="Arial" panose="020B0604020202020204" pitchFamily="34" charset="0"/>
+              <a:buChar char="•"/>
+            </a:pPr>
+            <a:r>
+              <a:rPr lang="en-GB" sz="2000" dirty="0" err="1"/>
+              <a:t>Resetten</a:t>
+            </a:r>
+            <a:r>
+              <a:rPr lang="en-GB" sz="2000" dirty="0"/>
+              <a:t> “processed” Bit </a:t>
+            </a:r>
+            <a:r>
+              <a:rPr lang="en-GB" sz="2000" dirty="0" err="1"/>
+              <a:t>für</a:t>
+            </a:r>
+            <a:r>
+              <a:rPr lang="en-GB" sz="2000" dirty="0"/>
+              <a:t> </a:t>
+            </a:r>
+            <a:r>
+              <a:rPr lang="en-GB" sz="2000" dirty="0" err="1"/>
+              <a:t>gesammten</a:t>
+            </a:r>
+            <a:r>
+              <a:rPr lang="en-GB" sz="2000" dirty="0"/>
+              <a:t> Buffer</a:t>
+            </a:r>
           </a:p>
         </p:txBody>
       </p:sp>
@@ -7408,16 +7441,44 @@
           </p:cNvPicPr>
           <p:nvPr/>
         </p:nvPicPr>
-        <p:blipFill>
+        <p:blipFill rotWithShape="1">
           <a:blip r:embed="rId2"/>
-          <a:stretch>
-            <a:fillRect/>
-          </a:stretch>
+          <a:srcRect r="48308" b="87307"/>
+          <a:stretch/>
         </p:blipFill>
         <p:spPr>
           <a:xfrm>
-            <a:off x="1066800" y="1785663"/>
-            <a:ext cx="6792273" cy="4429743"/>
+            <a:off x="2205375" y="4735783"/>
+            <a:ext cx="3511100" cy="562279"/>
+          </a:xfrm>
+          <a:prstGeom prst="rect">
+            <a:avLst/>
+          </a:prstGeom>
+        </p:spPr>
+      </p:pic>
+      <p:pic>
+        <p:nvPicPr>
+          <p:cNvPr id="6" name="Picture 5">
+            <a:extLst>
+              <a:ext uri="{FF2B5EF4-FFF2-40B4-BE49-F238E27FC236}">
+                <a16:creationId xmlns:a16="http://schemas.microsoft.com/office/drawing/2014/main" id="{E3B805A8-3D63-4A8C-A68B-6563F4D62D0A}"/>
+              </a:ext>
+            </a:extLst>
+          </p:cNvPr>
+          <p:cNvPicPr>
+            <a:picLocks noChangeAspect="1"/>
+          </p:cNvPicPr>
+          <p:nvPr/>
+        </p:nvPicPr>
+        <p:blipFill rotWithShape="1">
+          <a:blip r:embed="rId2"/>
+          <a:srcRect l="11899" t="48323" r="40852" b="43322"/>
+          <a:stretch/>
+        </p:blipFill>
+        <p:spPr>
+          <a:xfrm>
+            <a:off x="6475527" y="4831829"/>
+            <a:ext cx="3209249" cy="370185"/>
           </a:xfrm>
           <a:prstGeom prst="rect">
             <a:avLst/>
@@ -7508,8 +7569,8 @@
         </p:nvSpPr>
         <p:spPr>
           <a:xfrm>
-            <a:off x="7384869" y="1785663"/>
-            <a:ext cx="4206241" cy="3323987"/>
+            <a:off x="1066801" y="1785663"/>
+            <a:ext cx="10524310" cy="1785104"/>
           </a:xfrm>
           <a:prstGeom prst="rect">
             <a:avLst/>
@@ -7651,16 +7712,45 @@
           </p:cNvPicPr>
           <p:nvPr/>
         </p:nvPicPr>
+        <p:blipFill rotWithShape="1">
+          <a:blip r:embed="rId2"/>
+          <a:srcRect t="82439" r="48334"/>
+          <a:stretch/>
+        </p:blipFill>
+        <p:spPr>
+          <a:xfrm>
+            <a:off x="2151596" y="4111002"/>
+            <a:ext cx="3104730" cy="779542"/>
+          </a:xfrm>
+          <a:prstGeom prst="rect">
+            <a:avLst/>
+          </a:prstGeom>
+        </p:spPr>
+      </p:pic>
+      <p:pic>
+        <p:nvPicPr>
+          <p:cNvPr id="7" name="Picture 6">
+            <a:extLst>
+              <a:ext uri="{FF2B5EF4-FFF2-40B4-BE49-F238E27FC236}">
+                <a16:creationId xmlns:a16="http://schemas.microsoft.com/office/drawing/2014/main" id="{E398AD4C-71B1-43F9-B9FA-CA47150E3DF1}"/>
+              </a:ext>
+            </a:extLst>
+          </p:cNvPr>
+          <p:cNvPicPr>
+            <a:picLocks noChangeAspect="1"/>
+          </p:cNvPicPr>
+          <p:nvPr/>
+        </p:nvPicPr>
         <p:blipFill>
-          <a:blip r:embed="rId2"/>
+          <a:blip r:embed="rId3"/>
           <a:stretch>
             <a:fillRect/>
           </a:stretch>
         </p:blipFill>
         <p:spPr>
           <a:xfrm>
-            <a:off x="1184101" y="1785663"/>
-            <a:ext cx="6009179" cy="4438984"/>
+            <a:off x="6194547" y="4162588"/>
+            <a:ext cx="2953162" cy="676369"/>
           </a:xfrm>
           <a:prstGeom prst="rect">
             <a:avLst/>
@@ -7759,8 +7849,8 @@
         </p:nvSpPr>
         <p:spPr>
           <a:xfrm>
-            <a:off x="4833257" y="1785663"/>
-            <a:ext cx="6757853" cy="2400657"/>
+            <a:off x="1066800" y="2471420"/>
+            <a:ext cx="10524310" cy="1785104"/>
           </a:xfrm>
           <a:prstGeom prst="rect">
             <a:avLst/>
@@ -7941,7 +8031,7 @@
         </p:blipFill>
         <p:spPr>
           <a:xfrm>
-            <a:off x="1209790" y="1831181"/>
+            <a:off x="4006084" y="3718974"/>
             <a:ext cx="3155315" cy="537550"/>
           </a:xfrm>
           <a:prstGeom prst="rect">
@@ -8002,7 +8092,7 @@
           <a:p>
             <a:r>
               <a:rPr lang="en-GB" dirty="0" err="1"/>
-              <a:t>Nachbarberechungsinlining</a:t>
+              <a:t>Nachbarberechnung</a:t>
             </a:r>
             <a:r>
               <a:rPr lang="en-GB" dirty="0"/>
@@ -8037,8 +8127,8 @@
         </p:nvSpPr>
         <p:spPr>
           <a:xfrm>
-            <a:off x="4833257" y="1785663"/>
-            <a:ext cx="6757853" cy="1631216"/>
+            <a:off x="1066800" y="1826958"/>
+            <a:ext cx="9080090" cy="861774"/>
           </a:xfrm>
           <a:prstGeom prst="rect">
             <a:avLst/>
@@ -8072,7 +8162,15 @@
             </a:r>
             <a:r>
               <a:rPr lang="en-GB" sz="2000" dirty="0"/>
-              <a:t> der Bit-Mase </a:t>
+              <a:t> der Bit-</a:t>
+            </a:r>
+            <a:r>
+              <a:rPr lang="en-GB" sz="2000" dirty="0" err="1"/>
+              <a:t>Maske</a:t>
+            </a:r>
+            <a:r>
+              <a:rPr lang="en-GB" sz="2000" dirty="0"/>
+              <a:t> </a:t>
             </a:r>
             <a:r>
               <a:rPr lang="en-GB" sz="2000" dirty="0" err="1"/>
@@ -8102,16 +8200,6 @@
               <a:rPr lang="en-GB" sz="2000" dirty="0" err="1"/>
               <a:t>Zyklen</a:t>
             </a:r>
-            <a:endParaRPr lang="en-GB" sz="2000" dirty="0"/>
-          </a:p>
-          <a:p>
-            <a:pPr marL="342900" indent="-342900">
-              <a:spcAft>
-                <a:spcPts val="1200"/>
-              </a:spcAft>
-              <a:buFont typeface="Arial" panose="020B0604020202020204" pitchFamily="34" charset="0"/>
-              <a:buChar char="•"/>
-            </a:pPr>
             <a:endParaRPr lang="en-GB" sz="2000" dirty="0"/>
           </a:p>
           <a:p>
@@ -8148,14 +8236,114 @@
         </p:blipFill>
         <p:spPr>
           <a:xfrm>
-            <a:off x="1188108" y="1785663"/>
-            <a:ext cx="3476301" cy="2929212"/>
+            <a:off x="6583680" y="3573156"/>
+            <a:ext cx="3183282" cy="2682307"/>
           </a:xfrm>
           <a:prstGeom prst="rect">
             <a:avLst/>
           </a:prstGeom>
         </p:spPr>
       </p:pic>
+      <p:pic>
+        <p:nvPicPr>
+          <p:cNvPr id="5" name="Picture 4">
+            <a:extLst>
+              <a:ext uri="{FF2B5EF4-FFF2-40B4-BE49-F238E27FC236}">
+                <a16:creationId xmlns:a16="http://schemas.microsoft.com/office/drawing/2014/main" id="{B06D2D8D-7E7F-4D86-A105-8C6D8F649A97}"/>
+              </a:ext>
+            </a:extLst>
+          </p:cNvPr>
+          <p:cNvPicPr>
+            <a:picLocks noChangeAspect="1"/>
+          </p:cNvPicPr>
+          <p:nvPr/>
+        </p:nvPicPr>
+        <p:blipFill>
+          <a:blip r:embed="rId3"/>
+          <a:stretch>
+            <a:fillRect/>
+          </a:stretch>
+        </p:blipFill>
+        <p:spPr>
+          <a:xfrm>
+            <a:off x="1133474" y="3574394"/>
+            <a:ext cx="4229039" cy="2682307"/>
+          </a:xfrm>
+          <a:prstGeom prst="rect">
+            <a:avLst/>
+          </a:prstGeom>
+        </p:spPr>
+      </p:pic>
+      <p:sp>
+        <p:nvSpPr>
+          <p:cNvPr id="6" name="TextBox 5">
+            <a:extLst>
+              <a:ext uri="{FF2B5EF4-FFF2-40B4-BE49-F238E27FC236}">
+                <a16:creationId xmlns:a16="http://schemas.microsoft.com/office/drawing/2014/main" id="{E4F8A0C9-4CDD-40CC-B670-E7D1937041AC}"/>
+              </a:ext>
+            </a:extLst>
+          </p:cNvPr>
+          <p:cNvSpPr txBox="1"/>
+          <p:nvPr/>
+        </p:nvSpPr>
+        <p:spPr>
+          <a:xfrm>
+            <a:off x="1133474" y="3198167"/>
+            <a:ext cx="381836" cy="276999"/>
+          </a:xfrm>
+          <a:prstGeom prst="rect">
+            <a:avLst/>
+          </a:prstGeom>
+          <a:noFill/>
+        </p:spPr>
+        <p:txBody>
+          <a:bodyPr wrap="none" rtlCol="0">
+            <a:spAutoFit/>
+          </a:bodyPr>
+          <a:lstStyle/>
+          <a:p>
+            <a:r>
+              <a:rPr lang="en-GB" sz="1200" dirty="0"/>
+              <a:t>Alt</a:t>
+            </a:r>
+          </a:p>
+        </p:txBody>
+      </p:sp>
+      <p:sp>
+        <p:nvSpPr>
+          <p:cNvPr id="8" name="TextBox 7">
+            <a:extLst>
+              <a:ext uri="{FF2B5EF4-FFF2-40B4-BE49-F238E27FC236}">
+                <a16:creationId xmlns:a16="http://schemas.microsoft.com/office/drawing/2014/main" id="{788CBC10-40F1-42D0-8F8B-ADA96422E452}"/>
+              </a:ext>
+            </a:extLst>
+          </p:cNvPr>
+          <p:cNvSpPr txBox="1"/>
+          <p:nvPr/>
+        </p:nvSpPr>
+        <p:spPr>
+          <a:xfrm>
+            <a:off x="6583680" y="3152001"/>
+            <a:ext cx="490840" cy="276999"/>
+          </a:xfrm>
+          <a:prstGeom prst="rect">
+            <a:avLst/>
+          </a:prstGeom>
+          <a:noFill/>
+        </p:spPr>
+        <p:txBody>
+          <a:bodyPr wrap="none" rtlCol="0">
+            <a:spAutoFit/>
+          </a:bodyPr>
+          <a:lstStyle/>
+          <a:p>
+            <a:r>
+              <a:rPr lang="en-GB" sz="1200" dirty="0"/>
+              <a:t>Neu</a:t>
+            </a:r>
+          </a:p>
+        </p:txBody>
+      </p:sp>
     </p:spTree>
     <p:extLst>
       <p:ext uri="{BB962C8B-B14F-4D97-AF65-F5344CB8AC3E}">
@@ -8242,13 +8430,13 @@
         </p:nvPicPr>
         <p:blipFill rotWithShape="1">
           <a:blip r:embed="rId2"/>
-          <a:srcRect b="63872"/>
+          <a:srcRect r="52326" b="96588"/>
           <a:stretch/>
         </p:blipFill>
         <p:spPr>
           <a:xfrm>
-            <a:off x="1066800" y="1742841"/>
-            <a:ext cx="6201640" cy="1910132"/>
+            <a:off x="7632782" y="2179393"/>
+            <a:ext cx="2956560" cy="180349"/>
           </a:xfrm>
           <a:prstGeom prst="rect">
             <a:avLst/>
@@ -8277,7 +8465,7 @@
         </p:blipFill>
         <p:spPr>
           <a:xfrm>
-            <a:off x="1066800" y="3713933"/>
+            <a:off x="7632782" y="3060634"/>
             <a:ext cx="3470529" cy="2705099"/>
           </a:xfrm>
           <a:prstGeom prst="rect">
@@ -8299,7 +8487,7 @@
         </p:nvSpPr>
         <p:spPr>
           <a:xfrm>
-            <a:off x="4824548" y="3858303"/>
+            <a:off x="1066800" y="2014194"/>
             <a:ext cx="6757853" cy="2092881"/>
           </a:xfrm>
           <a:prstGeom prst="rect">
@@ -8513,8 +8701,8 @@
         </p:nvSpPr>
         <p:spPr>
           <a:xfrm>
-            <a:off x="3895298" y="3954404"/>
-            <a:ext cx="6757853" cy="1169551"/>
+            <a:off x="1296311" y="2259449"/>
+            <a:ext cx="6757853" cy="1938992"/>
           </a:xfrm>
           <a:prstGeom prst="rect">
             <a:avLst/>
@@ -8582,6 +8770,56 @@
               <a:rPr lang="en-GB" sz="2000" dirty="0"/>
               <a:t> muss</a:t>
             </a:r>
+          </a:p>
+          <a:p>
+            <a:pPr marL="342900" indent="-342900">
+              <a:spcAft>
+                <a:spcPts val="1200"/>
+              </a:spcAft>
+              <a:buFont typeface="Arial" panose="020B0604020202020204" pitchFamily="34" charset="0"/>
+              <a:buChar char="•"/>
+            </a:pPr>
+            <a:r>
+              <a:rPr lang="en-GB" sz="2000" dirty="0"/>
+              <a:t>Bei </a:t>
+            </a:r>
+            <a:r>
+              <a:rPr lang="en-GB" sz="2000" dirty="0" err="1"/>
+              <a:t>Änderungen</a:t>
+            </a:r>
+            <a:r>
+              <a:rPr lang="en-GB" sz="2000" dirty="0"/>
+              <a:t> </a:t>
+            </a:r>
+            <a:r>
+              <a:rPr lang="en-GB" sz="2000" dirty="0" err="1"/>
+              <a:t>wird</a:t>
+            </a:r>
+            <a:r>
+              <a:rPr lang="en-GB" sz="2000" dirty="0"/>
+              <a:t> das Bit in der </a:t>
+            </a:r>
+            <a:r>
+              <a:rPr lang="en-GB" sz="2000" dirty="0" err="1"/>
+              <a:t>nächsten</a:t>
+            </a:r>
+            <a:r>
+              <a:rPr lang="en-GB" sz="2000" dirty="0"/>
+              <a:t> </a:t>
+            </a:r>
+            <a:r>
+              <a:rPr lang="en-GB" sz="2000" dirty="0" err="1"/>
+              <a:t>Genration</a:t>
+            </a:r>
+            <a:r>
+              <a:rPr lang="en-GB" sz="2000" dirty="0"/>
+              <a:t> </a:t>
+            </a:r>
+            <a:r>
+              <a:rPr lang="en-GB" sz="2000" dirty="0" err="1"/>
+              <a:t>zurückgesetzt</a:t>
+            </a:r>
+            <a:endParaRPr lang="en-GB" sz="2000" dirty="0"/>
           </a:p>
           <a:p>
             <a:pPr marL="342900" indent="-342900">
@@ -8617,7 +8855,7 @@
         </p:blipFill>
         <p:spPr>
           <a:xfrm>
-            <a:off x="1195500" y="1788113"/>
+            <a:off x="8540198" y="2135437"/>
             <a:ext cx="2276793" cy="3915321"/>
           </a:xfrm>
           <a:prstGeom prst="rect">
@@ -8639,16 +8877,15 @@
           </p:cNvPicPr>
           <p:nvPr/>
         </p:nvPicPr>
-        <p:blipFill>
+        <p:blipFill rotWithShape="1">
           <a:blip r:embed="rId3"/>
-          <a:stretch>
-            <a:fillRect/>
-          </a:stretch>
+          <a:srcRect l="5566" t="35927" r="8874" b="20624"/>
+          <a:stretch/>
         </p:blipFill>
         <p:spPr>
           <a:xfrm>
-            <a:off x="3895298" y="1788113"/>
-            <a:ext cx="6115904" cy="2067213"/>
+            <a:off x="2058874" y="4616478"/>
+            <a:ext cx="5232729" cy="898177"/>
           </a:xfrm>
           <a:prstGeom prst="rect">
             <a:avLst/>
@@ -8724,7 +8961,7 @@
             </a:r>
             <a:r>
               <a:rPr lang="en-GB" dirty="0" err="1"/>
-              <a:t>Tabllen</a:t>
+              <a:t>Tabellen</a:t>
             </a:r>
             <a:r>
               <a:rPr lang="en-GB" dirty="0"/>
@@ -8760,7 +8997,7 @@
         <p:spPr>
           <a:xfrm>
             <a:off x="1066800" y="2014194"/>
-            <a:ext cx="10058400" cy="2708434"/>
+            <a:ext cx="10058400" cy="3170099"/>
           </a:xfrm>
           <a:prstGeom prst="rect">
             <a:avLst/>
@@ -8959,6 +9196,42 @@
             <a:r>
               <a:rPr lang="en-GB" sz="2000" dirty="0" err="1"/>
               <a:t>Nachbarn</a:t>
+            </a:r>
+            <a:endParaRPr lang="en-GB" sz="2000" dirty="0"/>
+          </a:p>
+          <a:p>
+            <a:pPr marL="800100" lvl="1" indent="-342900">
+              <a:spcAft>
+                <a:spcPts val="1200"/>
+              </a:spcAft>
+              <a:buFont typeface="Arial" panose="020B0604020202020204" pitchFamily="34" charset="0"/>
+              <a:buChar char="•"/>
+            </a:pPr>
+            <a:r>
+              <a:rPr lang="en-GB" sz="2000" dirty="0"/>
+              <a:t>Gerne </a:t>
+            </a:r>
+            <a:r>
+              <a:rPr lang="en-GB" sz="2000" dirty="0" err="1"/>
+              <a:t>mehr</a:t>
+            </a:r>
+            <a:r>
+              <a:rPr lang="en-GB" sz="2000" dirty="0"/>
+              <a:t> auf </a:t>
+            </a:r>
+            <a:r>
+              <a:rPr lang="en-GB" sz="2000" dirty="0" err="1"/>
+              <a:t>Nachfrage</a:t>
+            </a:r>
+            <a:r>
+              <a:rPr lang="en-GB" sz="2000" dirty="0"/>
+              <a:t> </a:t>
+            </a:r>
+            <a:r>
+              <a:rPr lang="en-GB" sz="2000" dirty="0">
+                <a:sym typeface="Wingdings" panose="05000000000000000000" pitchFamily="2" charset="2"/>
+              </a:rPr>
+              <a:t></a:t>
             </a:r>
             <a:endParaRPr lang="en-GB" sz="2000" dirty="0"/>
           </a:p>
@@ -11165,7 +11438,7 @@
         </p:blipFill>
         <p:spPr>
           <a:xfrm>
-            <a:off x="1066799" y="1866142"/>
+            <a:off x="7208028" y="2972140"/>
             <a:ext cx="3962953" cy="952633"/>
           </a:xfrm>
         </p:spPr>
@@ -11184,16 +11457,15 @@
           </p:cNvPicPr>
           <p:nvPr/>
         </p:nvPicPr>
-        <p:blipFill>
+        <p:blipFill rotWithShape="1">
           <a:blip r:embed="rId3"/>
-          <a:stretch>
-            <a:fillRect/>
-          </a:stretch>
+          <a:srcRect t="11195" b="77981"/>
+          <a:stretch/>
         </p:blipFill>
         <p:spPr>
           <a:xfrm>
-            <a:off x="1066800" y="2966827"/>
-            <a:ext cx="3962953" cy="3324689"/>
+            <a:off x="7208029" y="2449141"/>
+            <a:ext cx="3962953" cy="359860"/>
           </a:xfrm>
           <a:prstGeom prst="rect">
             <a:avLst/>
@@ -11214,8 +11486,8 @@
         </p:nvSpPr>
         <p:spPr>
           <a:xfrm>
-            <a:off x="5155474" y="2972140"/>
-            <a:ext cx="5969726" cy="1938992"/>
+            <a:off x="1119894" y="2014194"/>
+            <a:ext cx="5138337" cy="2554545"/>
           </a:xfrm>
           <a:prstGeom prst="rect">
             <a:avLst/>
@@ -11449,65 +11721,6 @@
           </a:p>
         </p:txBody>
       </p:sp>
-      <p:pic>
-        <p:nvPicPr>
-          <p:cNvPr id="5" name="Content Placeholder 4">
-            <a:extLst>
-              <a:ext uri="{FF2B5EF4-FFF2-40B4-BE49-F238E27FC236}">
-                <a16:creationId xmlns:a16="http://schemas.microsoft.com/office/drawing/2014/main" id="{5FCEDF7B-6F61-428E-9B10-7C4B952A4665}"/>
-              </a:ext>
-            </a:extLst>
-          </p:cNvPr>
-          <p:cNvPicPr>
-            <a:picLocks noGrp="1" noChangeAspect="1"/>
-          </p:cNvPicPr>
-          <p:nvPr>
-            <p:ph idx="1"/>
-          </p:nvPr>
-        </p:nvPicPr>
-        <p:blipFill>
-          <a:blip r:embed="rId2"/>
-          <a:stretch>
-            <a:fillRect/>
-          </a:stretch>
-        </p:blipFill>
-        <p:spPr>
-          <a:xfrm>
-            <a:off x="1066799" y="1866142"/>
-            <a:ext cx="3962953" cy="952633"/>
-          </a:xfrm>
-        </p:spPr>
-      </p:pic>
-      <p:pic>
-        <p:nvPicPr>
-          <p:cNvPr id="7" name="Picture 6">
-            <a:extLst>
-              <a:ext uri="{FF2B5EF4-FFF2-40B4-BE49-F238E27FC236}">
-                <a16:creationId xmlns:a16="http://schemas.microsoft.com/office/drawing/2014/main" id="{4A7A29FE-96A5-46A1-BCF6-1AC013399103}"/>
-              </a:ext>
-            </a:extLst>
-          </p:cNvPr>
-          <p:cNvPicPr>
-            <a:picLocks noChangeAspect="1"/>
-          </p:cNvPicPr>
-          <p:nvPr/>
-        </p:nvPicPr>
-        <p:blipFill>
-          <a:blip r:embed="rId3"/>
-          <a:stretch>
-            <a:fillRect/>
-          </a:stretch>
-        </p:blipFill>
-        <p:spPr>
-          <a:xfrm>
-            <a:off x="1066800" y="2966827"/>
-            <a:ext cx="3962953" cy="3324689"/>
-          </a:xfrm>
-          <a:prstGeom prst="rect">
-            <a:avLst/>
-          </a:prstGeom>
-        </p:spPr>
-      </p:pic>
       <p:sp>
         <p:nvSpPr>
           <p:cNvPr id="8" name="TextBox 7">
@@ -11522,8 +11735,8 @@
         </p:nvSpPr>
         <p:spPr>
           <a:xfrm>
-            <a:off x="5155474" y="2972138"/>
-            <a:ext cx="5969726" cy="707886"/>
+            <a:off x="1066800" y="2119380"/>
+            <a:ext cx="5969726" cy="1169551"/>
           </a:xfrm>
           <a:prstGeom prst="rect">
             <a:avLst/>
@@ -11586,6 +11799,36 @@
             <a:r>
               <a:rPr lang="en-GB" sz="2000" dirty="0" err="1"/>
               <a:t>Erfolg</a:t>
+            </a:r>
+            <a:endParaRPr lang="en-GB" sz="2000" dirty="0"/>
+          </a:p>
+          <a:p>
+            <a:pPr marL="342900" indent="-342900">
+              <a:spcAft>
+                <a:spcPts val="1200"/>
+              </a:spcAft>
+              <a:buFont typeface="Arial" panose="020B0604020202020204" pitchFamily="34" charset="0"/>
+              <a:buChar char="•"/>
+            </a:pPr>
+            <a:r>
+              <a:rPr lang="en-GB" sz="2000" dirty="0" err="1"/>
+              <a:t>optimiert</a:t>
+            </a:r>
+            <a:r>
+              <a:rPr lang="en-GB" sz="2000" dirty="0"/>
+              <a:t> </a:t>
+            </a:r>
+            <a:r>
+              <a:rPr lang="en-GB" sz="2000" dirty="0" err="1"/>
+              <a:t>für</a:t>
+            </a:r>
+            <a:r>
+              <a:rPr lang="en-GB" sz="2000" dirty="0"/>
+              <a:t> 3000 </a:t>
+            </a:r>
+            <a:r>
+              <a:rPr lang="en-GB" sz="2000" dirty="0" err="1"/>
+              <a:t>Iterationen</a:t>
             </a:r>
             <a:endParaRPr lang="en-GB" sz="2000" dirty="0"/>
           </a:p>
@@ -11606,14 +11849,72 @@
           <p:nvPr/>
         </p:nvPicPr>
         <p:blipFill rotWithShape="1">
-          <a:blip r:embed="rId4"/>
+          <a:blip r:embed="rId2"/>
           <a:srcRect t="4423" r="331" b="3201"/>
           <a:stretch/>
         </p:blipFill>
         <p:spPr>
           <a:xfrm>
-            <a:off x="5323794" y="1866142"/>
+            <a:off x="7219826" y="4219985"/>
             <a:ext cx="2465275" cy="443672"/>
+          </a:xfrm>
+          <a:prstGeom prst="rect">
+            <a:avLst/>
+          </a:prstGeom>
+        </p:spPr>
+      </p:pic>
+      <p:pic>
+        <p:nvPicPr>
+          <p:cNvPr id="11" name="Content Placeholder 4">
+            <a:extLst>
+              <a:ext uri="{FF2B5EF4-FFF2-40B4-BE49-F238E27FC236}">
+                <a16:creationId xmlns:a16="http://schemas.microsoft.com/office/drawing/2014/main" id="{B5082933-1F32-4A10-8061-C519A487C21C}"/>
+              </a:ext>
+            </a:extLst>
+          </p:cNvPr>
+          <p:cNvPicPr>
+            <a:picLocks noGrp="1" noChangeAspect="1"/>
+          </p:cNvPicPr>
+          <p:nvPr>
+            <p:ph idx="1"/>
+          </p:nvPr>
+        </p:nvPicPr>
+        <p:blipFill>
+          <a:blip r:embed="rId3"/>
+          <a:stretch>
+            <a:fillRect/>
+          </a:stretch>
+        </p:blipFill>
+        <p:spPr>
+          <a:xfrm>
+            <a:off x="7219826" y="2952683"/>
+            <a:ext cx="3962953" cy="952633"/>
+          </a:xfrm>
+        </p:spPr>
+      </p:pic>
+      <p:pic>
+        <p:nvPicPr>
+          <p:cNvPr id="12" name="Picture 11">
+            <a:extLst>
+              <a:ext uri="{FF2B5EF4-FFF2-40B4-BE49-F238E27FC236}">
+                <a16:creationId xmlns:a16="http://schemas.microsoft.com/office/drawing/2014/main" id="{16225881-FE0C-4DB3-BFF0-4AD3191ACAD3}"/>
+              </a:ext>
+            </a:extLst>
+          </p:cNvPr>
+          <p:cNvPicPr>
+            <a:picLocks noChangeAspect="1"/>
+          </p:cNvPicPr>
+          <p:nvPr/>
+        </p:nvPicPr>
+        <p:blipFill rotWithShape="1">
+          <a:blip r:embed="rId4"/>
+          <a:srcRect t="11195" b="77981"/>
+          <a:stretch/>
+        </p:blipFill>
+        <p:spPr>
+          <a:xfrm>
+            <a:off x="7219827" y="2429684"/>
+            <a:ext cx="3962953" cy="359860"/>
           </a:xfrm>
           <a:prstGeom prst="rect">
             <a:avLst/>
@@ -11716,7 +12017,7 @@
         </p:nvSpPr>
         <p:spPr>
           <a:xfrm>
-            <a:off x="6858000" y="4477088"/>
+            <a:off x="1066800" y="2014194"/>
             <a:ext cx="4267199" cy="1477328"/>
           </a:xfrm>
           <a:prstGeom prst="rect">
@@ -11847,7 +12148,7 @@
         </p:blipFill>
         <p:spPr>
           <a:xfrm>
-            <a:off x="6858000" y="2119094"/>
+            <a:off x="6309937" y="3015796"/>
             <a:ext cx="2990849" cy="1985056"/>
           </a:xfrm>
           <a:prstGeom prst="rect">
@@ -11869,16 +12170,15 @@
           </p:cNvPicPr>
           <p:nvPr/>
         </p:nvPicPr>
-        <p:blipFill>
+        <p:blipFill rotWithShape="1">
           <a:blip r:embed="rId3"/>
-          <a:stretch>
-            <a:fillRect/>
-          </a:stretch>
+          <a:srcRect t="12679" r="40009" b="80852"/>
+          <a:stretch/>
         </p:blipFill>
         <p:spPr>
           <a:xfrm>
-            <a:off x="1052139" y="2119094"/>
-            <a:ext cx="5363323" cy="4029637"/>
+            <a:off x="6309937" y="2384661"/>
+            <a:ext cx="3217521" cy="260667"/>
           </a:xfrm>
           <a:prstGeom prst="rect">
             <a:avLst/>
@@ -11969,7 +12269,7 @@
         </p:nvSpPr>
         <p:spPr>
           <a:xfrm>
-            <a:off x="6534150" y="4276414"/>
+            <a:off x="1004307" y="2014194"/>
             <a:ext cx="4591050" cy="1938992"/>
           </a:xfrm>
           <a:prstGeom prst="rect">
@@ -12124,16 +12424,15 @@
           </p:cNvPicPr>
           <p:nvPr/>
         </p:nvPicPr>
-        <p:blipFill>
+        <p:blipFill rotWithShape="1">
           <a:blip r:embed="rId3"/>
-          <a:stretch>
-            <a:fillRect/>
-          </a:stretch>
+          <a:srcRect t="3393" b="87700"/>
+          <a:stretch/>
         </p:blipFill>
         <p:spPr>
           <a:xfrm>
-            <a:off x="1038144" y="2123784"/>
-            <a:ext cx="4563112" cy="4172532"/>
+            <a:off x="6534150" y="4542503"/>
+            <a:ext cx="4563112" cy="371660"/>
           </a:xfrm>
           <a:prstGeom prst="rect">
             <a:avLst/>
@@ -12232,8 +12531,8 @@
         </p:nvSpPr>
         <p:spPr>
           <a:xfrm>
-            <a:off x="6506212" y="3581089"/>
-            <a:ext cx="4591050" cy="1477328"/>
+            <a:off x="1066800" y="2014194"/>
+            <a:ext cx="4591050" cy="2246769"/>
           </a:xfrm>
           <a:prstGeom prst="rect">
             <a:avLst/>
@@ -12321,6 +12620,36 @@
             <a:r>
               <a:rPr lang="en-GB" sz="2000" dirty="0" err="1"/>
               <a:t>Liste</a:t>
+            </a:r>
+            <a:endParaRPr lang="en-GB" sz="2000" dirty="0"/>
+          </a:p>
+          <a:p>
+            <a:pPr marL="342900" indent="-342900">
+              <a:spcAft>
+                <a:spcPts val="1200"/>
+              </a:spcAft>
+              <a:buFont typeface="Arial" panose="020B0604020202020204" pitchFamily="34" charset="0"/>
+              <a:buChar char="•"/>
+            </a:pPr>
+            <a:r>
+              <a:rPr lang="en-GB" sz="2000" dirty="0" err="1"/>
+              <a:t>last_probed</a:t>
+            </a:r>
+            <a:r>
+              <a:rPr lang="en-GB" sz="2000" dirty="0"/>
+              <a:t> </a:t>
+            </a:r>
+            <a:r>
+              <a:rPr lang="en-GB" sz="2000" dirty="0" err="1"/>
+              <a:t>beschleunigt</a:t>
+            </a:r>
+            <a:r>
+              <a:rPr lang="en-GB" sz="2000" dirty="0"/>
+              <a:t> pop </a:t>
+            </a:r>
+            <a:r>
+              <a:rPr lang="en-GB" sz="2000" dirty="0" err="1"/>
+              <a:t>Aufrufe</a:t>
             </a:r>
             <a:endParaRPr lang="en-GB" sz="2000" dirty="0"/>
           </a:p>
@@ -12370,16 +12699,15 @@
           </p:cNvPicPr>
           <p:nvPr/>
         </p:nvPicPr>
-        <p:blipFill>
+        <p:blipFill rotWithShape="1">
           <a:blip r:embed="rId3"/>
-          <a:stretch>
-            <a:fillRect/>
-          </a:stretch>
+          <a:srcRect t="4045" r="12020" b="55567"/>
+          <a:stretch/>
         </p:blipFill>
         <p:spPr>
           <a:xfrm>
-            <a:off x="1066800" y="1757041"/>
-            <a:ext cx="4848902" cy="4601217"/>
+            <a:off x="6494368" y="3131211"/>
+            <a:ext cx="4266055" cy="1858297"/>
           </a:xfrm>
           <a:prstGeom prst="rect">
             <a:avLst/>
@@ -12486,7 +12814,7 @@
         </p:blipFill>
         <p:spPr>
           <a:xfrm>
-            <a:off x="1066800" y="2014194"/>
+            <a:off x="7252273" y="1100359"/>
             <a:ext cx="2660373" cy="3920549"/>
           </a:xfrm>
           <a:prstGeom prst="rect">
@@ -12508,8 +12836,8 @@
         </p:nvSpPr>
         <p:spPr>
           <a:xfrm>
-            <a:off x="3985532" y="1892538"/>
-            <a:ext cx="6214382" cy="1631216"/>
+            <a:off x="1066800" y="2014194"/>
+            <a:ext cx="6214382" cy="2092881"/>
           </a:xfrm>
           <a:prstGeom prst="rect">
             <a:avLst/>
@@ -12606,14 +12934,36 @@
             </a:r>
             <a:endParaRPr lang="en-GB" sz="2000" dirty="0"/>
           </a:p>
+          <a:p>
+            <a:pPr marL="342900" indent="-342900">
+              <a:spcAft>
+                <a:spcPts val="1200"/>
+              </a:spcAft>
+              <a:buFont typeface="Arial" panose="020B0604020202020204" pitchFamily="34" charset="0"/>
+              <a:buChar char="•"/>
+            </a:pPr>
+            <a:r>
+              <a:rPr lang="en-GB" sz="2000" dirty="0" err="1"/>
+              <a:t>Bitshifting</a:t>
+            </a:r>
+            <a:r>
+              <a:rPr lang="en-GB" sz="2000" dirty="0"/>
+              <a:t> </a:t>
+            </a:r>
+            <a:r>
+              <a:rPr lang="en-GB" sz="2000" dirty="0" err="1"/>
+              <a:t>notwendig</a:t>
+            </a:r>
+            <a:endParaRPr lang="en-GB" sz="2000" dirty="0"/>
+          </a:p>
         </p:txBody>
       </p:sp>
       <p:pic>
         <p:nvPicPr>
-          <p:cNvPr id="16" name="Picture 15">
+          <p:cNvPr id="6" name="Picture 5">
             <a:extLst>
               <a:ext uri="{FF2B5EF4-FFF2-40B4-BE49-F238E27FC236}">
-                <a16:creationId xmlns:a16="http://schemas.microsoft.com/office/drawing/2014/main" id="{DE09BF97-31EC-49F2-A0D2-02190EA9AD9E}"/>
+                <a16:creationId xmlns:a16="http://schemas.microsoft.com/office/drawing/2014/main" id="{DCF64F52-3AEA-422C-A454-E9B4FEEB071C}"/>
               </a:ext>
             </a:extLst>
           </p:cNvPr>
@@ -12622,16 +12972,15 @@
           </p:cNvPicPr>
           <p:nvPr/>
         </p:nvPicPr>
-        <p:blipFill>
+        <p:blipFill rotWithShape="1">
           <a:blip r:embed="rId3"/>
-          <a:stretch>
-            <a:fillRect/>
-          </a:stretch>
+          <a:srcRect l="8239" t="55374" r="22209" b="32445"/>
+          <a:stretch/>
         </p:blipFill>
         <p:spPr>
           <a:xfrm>
-            <a:off x="4084010" y="3795911"/>
-            <a:ext cx="6115904" cy="2095792"/>
+            <a:off x="6559002" y="5396753"/>
+            <a:ext cx="4465812" cy="360888"/>
           </a:xfrm>
           <a:prstGeom prst="rect">
             <a:avLst/>
@@ -12928,6 +13277,24 @@
 </file>
 
 <file path=customXml/item1.xml><?xml version="1.0" encoding="utf-8"?>
+<?mso-contentType ?>
+<FormTemplates xmlns="http://schemas.microsoft.com/sharepoint/v3/contenttype/forms">
+  <Display>DocumentLibraryForm</Display>
+  <Edit>DocumentLibraryForm</Edit>
+  <New>DocumentLibraryForm</New>
+</FormTemplates>
+</file>
+
+<file path=customXml/item2.xml><?xml version="1.0" encoding="utf-8"?>
+<p:properties xmlns:p="http://schemas.microsoft.com/office/2006/metadata/properties" xmlns:xsi="http://www.w3.org/2001/XMLSchema-instance" xmlns:pc="http://schemas.microsoft.com/office/infopath/2007/PartnerControls">
+  <documentManagement>
+    <Status xmlns="71af3243-3dd4-4a8d-8c0d-dd76da1f02a5">Not started</Status>
+    <MediaServiceKeyPoints xmlns="71af3243-3dd4-4a8d-8c0d-dd76da1f02a5" xsi:nil="true"/>
+  </documentManagement>
+</p:properties>
+</file>
+
+<file path=customXml/item3.xml><?xml version="1.0" encoding="utf-8"?>
 <ct:contentTypeSchema xmlns:ct="http://schemas.microsoft.com/office/2006/metadata/contentType" xmlns:ma="http://schemas.microsoft.com/office/2006/metadata/properties/metaAttributes" ct:_="" ma:_="" ma:contentTypeName="Document" ma:contentTypeID="0x01010079F111ED35F8CC479449609E8A0923A6" ma:contentTypeVersion="12" ma:contentTypeDescription="Create a new document." ma:contentTypeScope="" ma:versionID="a410dd7f93c95333ffa1b60ed6adedd1">
   <xsd:schema xmlns:xsd="http://www.w3.org/2001/XMLSchema" xmlns:xs="http://www.w3.org/2001/XMLSchema" xmlns:p="http://schemas.microsoft.com/office/2006/metadata/properties" xmlns:ns2="71af3243-3dd4-4a8d-8c0d-dd76da1f02a5" xmlns:ns3="16c05727-aa75-4e4a-9b5f-8a80a1165891" targetNamespace="http://schemas.microsoft.com/office/2006/metadata/properties" ma:root="true" ma:fieldsID="a936d9baba76aa3866493feff160faab" ns2:_="" ns3:_="">
     <xsd:import namespace="71af3243-3dd4-4a8d-8c0d-dd76da1f02a5"/>
@@ -13148,39 +13515,10 @@
 </ct:contentTypeSchema>
 </file>
 
-<file path=customXml/item2.xml><?xml version="1.0" encoding="utf-8"?>
-<p:properties xmlns:p="http://schemas.microsoft.com/office/2006/metadata/properties" xmlns:xsi="http://www.w3.org/2001/XMLSchema-instance" xmlns:pc="http://schemas.microsoft.com/office/infopath/2007/PartnerControls">
-  <documentManagement>
-    <Status xmlns="71af3243-3dd4-4a8d-8c0d-dd76da1f02a5">Not started</Status>
-    <MediaServiceKeyPoints xmlns="71af3243-3dd4-4a8d-8c0d-dd76da1f02a5" xsi:nil="true"/>
-  </documentManagement>
-</p:properties>
-</file>
-
-<file path=customXml/item3.xml><?xml version="1.0" encoding="utf-8"?>
-<?mso-contentType ?>
-<FormTemplates xmlns="http://schemas.microsoft.com/sharepoint/v3/contenttype/forms">
-  <Display>DocumentLibraryForm</Display>
-  <Edit>DocumentLibraryForm</Edit>
-  <New>DocumentLibraryForm</New>
-</FormTemplates>
-</file>
-
 <file path=customXml/itemProps1.xml><?xml version="1.0" encoding="utf-8"?>
-<ds:datastoreItem xmlns:ds="http://schemas.openxmlformats.org/officeDocument/2006/customXml" ds:itemID="{2D276E62-80A3-44DD-9BCC-97ED2B99B57F}">
+<ds:datastoreItem xmlns:ds="http://schemas.openxmlformats.org/officeDocument/2006/customXml" ds:itemID="{CDB58277-F8DF-46FF-84EC-EF41B835E69F}">
   <ds:schemaRefs>
-    <ds:schemaRef ds:uri="http://schemas.microsoft.com/office/2006/metadata/contentType"/>
-    <ds:schemaRef ds:uri="http://schemas.microsoft.com/office/2006/metadata/properties/metaAttributes"/>
-    <ds:schemaRef ds:uri="http://www.w3.org/2001/XMLSchema"/>
-    <ds:schemaRef ds:uri="http://schemas.microsoft.com/office/2006/metadata/properties"/>
-    <ds:schemaRef ds:uri="71af3243-3dd4-4a8d-8c0d-dd76da1f02a5"/>
-    <ds:schemaRef ds:uri="16c05727-aa75-4e4a-9b5f-8a80a1165891"/>
-    <ds:schemaRef ds:uri="http://schemas.microsoft.com/office/2006/documentManagement/types"/>
-    <ds:schemaRef ds:uri="http://schemas.microsoft.com/office/infopath/2007/PartnerControls"/>
-    <ds:schemaRef ds:uri="http://schemas.openxmlformats.org/package/2006/metadata/core-properties"/>
-    <ds:schemaRef ds:uri="http://purl.org/dc/elements/1.1/"/>
-    <ds:schemaRef ds:uri="http://purl.org/dc/terms/"/>
-    <ds:schemaRef ds:uri="http://schemas.microsoft.com/internal/obd"/>
+    <ds:schemaRef ds:uri="http://schemas.microsoft.com/sharepoint/v3/contenttype/forms"/>
   </ds:schemaRefs>
 </ds:datastoreItem>
 </file>
@@ -13203,9 +13541,20 @@
 </file>
 
 <file path=customXml/itemProps3.xml><?xml version="1.0" encoding="utf-8"?>
-<ds:datastoreItem xmlns:ds="http://schemas.openxmlformats.org/officeDocument/2006/customXml" ds:itemID="{CDB58277-F8DF-46FF-84EC-EF41B835E69F}">
+<ds:datastoreItem xmlns:ds="http://schemas.openxmlformats.org/officeDocument/2006/customXml" ds:itemID="{2D276E62-80A3-44DD-9BCC-97ED2B99B57F}">
   <ds:schemaRefs>
-    <ds:schemaRef ds:uri="http://schemas.microsoft.com/sharepoint/v3/contenttype/forms"/>
+    <ds:schemaRef ds:uri="http://schemas.microsoft.com/office/2006/metadata/contentType"/>
+    <ds:schemaRef ds:uri="http://schemas.microsoft.com/office/2006/metadata/properties/metaAttributes"/>
+    <ds:schemaRef ds:uri="http://www.w3.org/2001/XMLSchema"/>
+    <ds:schemaRef ds:uri="http://schemas.microsoft.com/office/2006/metadata/properties"/>
+    <ds:schemaRef ds:uri="71af3243-3dd4-4a8d-8c0d-dd76da1f02a5"/>
+    <ds:schemaRef ds:uri="16c05727-aa75-4e4a-9b5f-8a80a1165891"/>
+    <ds:schemaRef ds:uri="http://schemas.microsoft.com/office/2006/documentManagement/types"/>
+    <ds:schemaRef ds:uri="http://schemas.microsoft.com/office/infopath/2007/PartnerControls"/>
+    <ds:schemaRef ds:uri="http://schemas.openxmlformats.org/package/2006/metadata/core-properties"/>
+    <ds:schemaRef ds:uri="http://purl.org/dc/elements/1.1/"/>
+    <ds:schemaRef ds:uri="http://purl.org/dc/terms/"/>
+    <ds:schemaRef ds:uri="http://schemas.microsoft.com/internal/obd"/>
   </ds:schemaRefs>
 </ds:datastoreItem>
 </file>
--- a/Conway’s Game of Life.pptx
+++ b/Conway’s Game of Life.pptx
@@ -7306,7 +7306,7 @@
             </a:r>
             <a:r>
               <a:rPr lang="en-GB" sz="2000" dirty="0" err="1"/>
-              <a:t>Bereiche</a:t>
+              <a:t>Berechnung</a:t>
             </a:r>
             <a:r>
               <a:rPr lang="en-GB" sz="2000" dirty="0"/>
@@ -7402,11 +7402,11 @@
             </a:pPr>
             <a:r>
               <a:rPr lang="en-GB" sz="2000" dirty="0" err="1"/>
-              <a:t>Resetten</a:t>
-            </a:r>
-            <a:r>
-              <a:rPr lang="en-GB" sz="2000" dirty="0"/>
-              <a:t> “processed” Bit </a:t>
+              <a:t>resetten</a:t>
+            </a:r>
+            <a:r>
+              <a:rPr lang="en-GB" sz="2000" dirty="0"/>
+              <a:t> von “processed” Bit </a:t>
             </a:r>
             <a:r>
               <a:rPr lang="en-GB" sz="2000" dirty="0" err="1"/>
@@ -7418,7 +7418,7 @@
             </a:r>
             <a:r>
               <a:rPr lang="en-GB" sz="2000" dirty="0" err="1"/>
-              <a:t>gesammten</a:t>
+              <a:t>gesamten</a:t>
             </a:r>
             <a:r>
               <a:rPr lang="en-GB" sz="2000" dirty="0"/>
@@ -8150,7 +8150,7 @@
             </a:pPr>
             <a:r>
               <a:rPr lang="en-GB" sz="2000" dirty="0" err="1"/>
-              <a:t>inlining</a:t>
+              <a:t>Inlining</a:t>
             </a:r>
             <a:r>
               <a:rPr lang="en-GB" sz="2000" dirty="0"/>
@@ -8236,7 +8236,7 @@
         </p:blipFill>
         <p:spPr>
           <a:xfrm>
-            <a:off x="6583680" y="3573156"/>
+            <a:off x="6714310" y="3216103"/>
             <a:ext cx="3183282" cy="2682307"/>
           </a:xfrm>
           <a:prstGeom prst="rect">
@@ -8266,7 +8266,7 @@
         </p:blipFill>
         <p:spPr>
           <a:xfrm>
-            <a:off x="1133474" y="3574394"/>
+            <a:off x="1264104" y="3217341"/>
             <a:ext cx="4229039" cy="2682307"/>
           </a:xfrm>
           <a:prstGeom prst="rect">
@@ -8288,7 +8288,7 @@
         </p:nvSpPr>
         <p:spPr>
           <a:xfrm>
-            <a:off x="1133474" y="3198167"/>
+            <a:off x="1185724" y="2936913"/>
             <a:ext cx="381836" cy="276999"/>
           </a:xfrm>
           <a:prstGeom prst="rect">
@@ -8323,7 +8323,7 @@
         </p:nvSpPr>
         <p:spPr>
           <a:xfrm>
-            <a:off x="6583680" y="3152001"/>
+            <a:off x="6609804" y="2925573"/>
             <a:ext cx="490840" cy="276999"/>
           </a:xfrm>
           <a:prstGeom prst="rect">
@@ -8768,7 +8768,7 @@
             </a:r>
             <a:r>
               <a:rPr lang="en-GB" sz="2000" dirty="0"/>
-              <a:t> muss</a:t>
+              <a:t> muss.</a:t>
             </a:r>
           </a:p>
           <a:p>
@@ -8819,7 +8819,10 @@
               <a:rPr lang="en-GB" sz="2000" dirty="0" err="1"/>
               <a:t>zurückgesetzt</a:t>
             </a:r>
-            <a:endParaRPr lang="en-GB" sz="2000" dirty="0"/>
+            <a:r>
+              <a:rPr lang="en-GB" sz="2000" dirty="0"/>
+              <a:t>.</a:t>
+            </a:r>
           </a:p>
           <a:p>
             <a:pPr marL="342900" indent="-342900">
@@ -9120,7 +9123,17 @@
             </a:r>
             <a:r>
               <a:rPr lang="en-GB" sz="2000" dirty="0"/>
-              <a:t> (Transfer &amp; Dispatch) -&gt; 2 </a:t>
+              <a:t> (Transfer &amp; Dispatch) </a:t>
+            </a:r>
+            <a:r>
+              <a:rPr lang="en-GB" sz="2000" dirty="0">
+                <a:sym typeface="Wingdings" panose="05000000000000000000" pitchFamily="2" charset="2"/>
+              </a:rPr>
+              <a:t></a:t>
+            </a:r>
+            <a:r>
+              <a:rPr lang="en-GB" sz="2000" dirty="0"/>
+              <a:t> 2 </a:t>
             </a:r>
             <a:r>
               <a:rPr lang="en-GB" sz="2000" dirty="0" err="1"/>
@@ -9158,7 +9171,7 @@
             </a:r>
             <a:r>
               <a:rPr lang="en-GB" sz="2000" dirty="0" err="1"/>
-              <a:t>aktion</a:t>
+              <a:t>Aktion</a:t>
             </a:r>
             <a:r>
               <a:rPr lang="en-GB" sz="2000" dirty="0"/>
@@ -9209,7 +9222,7 @@
             </a:pPr>
             <a:r>
               <a:rPr lang="en-GB" sz="2000" dirty="0"/>
-              <a:t>Gerne </a:t>
+              <a:t>gerne </a:t>
             </a:r>
             <a:r>
               <a:rPr lang="en-GB" sz="2000" dirty="0" err="1"/>
@@ -9252,7 +9265,7 @@
           <p:nvPr>
             <p:extLst>
               <p:ext uri="{D42A27DB-BD31-4B8C-83A1-F6EECF244321}">
-                <p14:modId xmlns:p14="http://schemas.microsoft.com/office/powerpoint/2010/main" val="1371095336"/>
+                <p14:modId xmlns:p14="http://schemas.microsoft.com/office/powerpoint/2010/main" val="897674320"/>
               </p:ext>
             </p:extLst>
           </p:nvPr>
@@ -9442,7 +9455,7 @@
                       <a:pPr algn="ctr"/>
                       <a:r>
                         <a:rPr lang="en-GB" dirty="0"/>
-                        <a:t>War </a:t>
+                        <a:t>war </a:t>
                       </a:r>
                       <a:r>
                         <a:rPr lang="en-GB" dirty="0" err="1"/>
@@ -9465,7 +9478,7 @@
                       <a:pPr algn="ctr"/>
                       <a:r>
                         <a:rPr lang="en-GB" dirty="0" err="1"/>
-                        <a:t>Ist</a:t>
+                        <a:t>ist</a:t>
                       </a:r>
                       <a:r>
                         <a:rPr lang="en-GB" dirty="0"/>
@@ -12402,7 +12415,7 @@
         </p:blipFill>
         <p:spPr>
           <a:xfrm>
-            <a:off x="6534150" y="2014194"/>
+            <a:off x="6534150" y="2101281"/>
             <a:ext cx="3400900" cy="2038635"/>
           </a:xfrm>
           <a:prstGeom prst="rect">
@@ -12431,7 +12444,7 @@
         </p:blipFill>
         <p:spPr>
           <a:xfrm>
-            <a:off x="6534150" y="4542503"/>
+            <a:off x="6534150" y="4629590"/>
             <a:ext cx="4563112" cy="371660"/>
           </a:xfrm>
           <a:prstGeom prst="rect">
@@ -12677,7 +12690,7 @@
         </p:blipFill>
         <p:spPr>
           <a:xfrm>
-            <a:off x="6506212" y="1778175"/>
+            <a:off x="6506212" y="2100394"/>
             <a:ext cx="3204035" cy="1019466"/>
           </a:xfrm>
           <a:prstGeom prst="rect">
@@ -12706,7 +12719,7 @@
         </p:blipFill>
         <p:spPr>
           <a:xfrm>
-            <a:off x="6494368" y="3131211"/>
+            <a:off x="6494368" y="3453430"/>
             <a:ext cx="4266055" cy="1858297"/>
           </a:xfrm>
           <a:prstGeom prst="rect">
@@ -12814,7 +12827,7 @@
         </p:blipFill>
         <p:spPr>
           <a:xfrm>
-            <a:off x="7252273" y="1100359"/>
+            <a:off x="7478700" y="1439997"/>
             <a:ext cx="2660373" cy="3920549"/>
           </a:xfrm>
           <a:prstGeom prst="rect">
@@ -12979,7 +12992,7 @@
         </p:blipFill>
         <p:spPr>
           <a:xfrm>
-            <a:off x="6559002" y="5396753"/>
+            <a:off x="6785429" y="5736391"/>
             <a:ext cx="4465812" cy="360888"/>
           </a:xfrm>
           <a:prstGeom prst="rect">
@@ -13277,21 +13290,21 @@
 </file>
 
 <file path=customXml/item1.xml><?xml version="1.0" encoding="utf-8"?>
+<p:properties xmlns:p="http://schemas.microsoft.com/office/2006/metadata/properties" xmlns:xsi="http://www.w3.org/2001/XMLSchema-instance" xmlns:pc="http://schemas.microsoft.com/office/infopath/2007/PartnerControls">
+  <documentManagement>
+    <Status xmlns="71af3243-3dd4-4a8d-8c0d-dd76da1f02a5">Not started</Status>
+    <MediaServiceKeyPoints xmlns="71af3243-3dd4-4a8d-8c0d-dd76da1f02a5" xsi:nil="true"/>
+  </documentManagement>
+</p:properties>
+</file>
+
+<file path=customXml/item2.xml><?xml version="1.0" encoding="utf-8"?>
 <?mso-contentType ?>
 <FormTemplates xmlns="http://schemas.microsoft.com/sharepoint/v3/contenttype/forms">
   <Display>DocumentLibraryForm</Display>
   <Edit>DocumentLibraryForm</Edit>
   <New>DocumentLibraryForm</New>
 </FormTemplates>
-</file>
-
-<file path=customXml/item2.xml><?xml version="1.0" encoding="utf-8"?>
-<p:properties xmlns:p="http://schemas.microsoft.com/office/2006/metadata/properties" xmlns:xsi="http://www.w3.org/2001/XMLSchema-instance" xmlns:pc="http://schemas.microsoft.com/office/infopath/2007/PartnerControls">
-  <documentManagement>
-    <Status xmlns="71af3243-3dd4-4a8d-8c0d-dd76da1f02a5">Not started</Status>
-    <MediaServiceKeyPoints xmlns="71af3243-3dd4-4a8d-8c0d-dd76da1f02a5" xsi:nil="true"/>
-  </documentManagement>
-</p:properties>
 </file>
 
 <file path=customXml/item3.xml><?xml version="1.0" encoding="utf-8"?>
@@ -13516,26 +13529,26 @@
 </file>
 
 <file path=customXml/itemProps1.xml><?xml version="1.0" encoding="utf-8"?>
-<ds:datastoreItem xmlns:ds="http://schemas.openxmlformats.org/officeDocument/2006/customXml" ds:itemID="{CDB58277-F8DF-46FF-84EC-EF41B835E69F}">
+<ds:datastoreItem xmlns:ds="http://schemas.openxmlformats.org/officeDocument/2006/customXml" ds:itemID="{137651BA-F45C-4845-9AB3-E0A65B39F5E1}">
   <ds:schemaRefs>
-    <ds:schemaRef ds:uri="http://schemas.microsoft.com/sharepoint/v3/contenttype/forms"/>
+    <ds:schemaRef ds:uri="http://purl.org/dc/elements/1.1/"/>
+    <ds:schemaRef ds:uri="http://schemas.microsoft.com/office/2006/metadata/properties"/>
+    <ds:schemaRef ds:uri="http://purl.org/dc/terms/"/>
+    <ds:schemaRef ds:uri="http://schemas.openxmlformats.org/package/2006/metadata/core-properties"/>
+    <ds:schemaRef ds:uri="16c05727-aa75-4e4a-9b5f-8a80a1165891"/>
+    <ds:schemaRef ds:uri="http://schemas.microsoft.com/office/2006/documentManagement/types"/>
+    <ds:schemaRef ds:uri="http://schemas.microsoft.com/office/infopath/2007/PartnerControls"/>
+    <ds:schemaRef ds:uri="71af3243-3dd4-4a8d-8c0d-dd76da1f02a5"/>
+    <ds:schemaRef ds:uri="http://www.w3.org/XML/1998/namespace"/>
+    <ds:schemaRef ds:uri="http://purl.org/dc/dcmitype/"/>
   </ds:schemaRefs>
 </ds:datastoreItem>
 </file>
 
 <file path=customXml/itemProps2.xml><?xml version="1.0" encoding="utf-8"?>
-<ds:datastoreItem xmlns:ds="http://schemas.openxmlformats.org/officeDocument/2006/customXml" ds:itemID="{137651BA-F45C-4845-9AB3-E0A65B39F5E1}">
+<ds:datastoreItem xmlns:ds="http://schemas.openxmlformats.org/officeDocument/2006/customXml" ds:itemID="{CDB58277-F8DF-46FF-84EC-EF41B835E69F}">
   <ds:schemaRefs>
-    <ds:schemaRef ds:uri="http://purl.org/dc/elements/1.1/"/>
-    <ds:schemaRef ds:uri="http://schemas.microsoft.com/office/2006/metadata/properties"/>
-    <ds:schemaRef ds:uri="http://schemas.microsoft.com/office/infopath/2007/PartnerControls"/>
-    <ds:schemaRef ds:uri="http://purl.org/dc/terms/"/>
-    <ds:schemaRef ds:uri="http://schemas.microsoft.com/office/2006/documentManagement/types"/>
-    <ds:schemaRef ds:uri="16c05727-aa75-4e4a-9b5f-8a80a1165891"/>
-    <ds:schemaRef ds:uri="http://purl.org/dc/dcmitype/"/>
-    <ds:schemaRef ds:uri="http://schemas.openxmlformats.org/package/2006/metadata/core-properties"/>
-    <ds:schemaRef ds:uri="71af3243-3dd4-4a8d-8c0d-dd76da1f02a5"/>
-    <ds:schemaRef ds:uri="http://www.w3.org/XML/1998/namespace"/>
+    <ds:schemaRef ds:uri="http://schemas.microsoft.com/sharepoint/v3/contenttype/forms"/>
   </ds:schemaRefs>
 </ds:datastoreItem>
 </file>
